--- a/Documentation/presentation/initial presentation/S11_Kapuria_Shah_Verma_Garageband.pptx
+++ b/Documentation/presentation/initial presentation/S11_Kapuria_Shah_Verma_Garageband.pptx
@@ -5,17 +5,18 @@
     <p:sldMasterId id="2147483673" r:id="rId1"/>
   </p:sldMasterIdLst>
   <p:notesMasterIdLst>
-    <p:notesMasterId r:id="rId7"/>
+    <p:notesMasterId r:id="rId8"/>
   </p:notesMasterIdLst>
   <p:handoutMasterIdLst>
-    <p:handoutMasterId r:id="rId8"/>
+    <p:handoutMasterId r:id="rId9"/>
   </p:handoutMasterIdLst>
   <p:sldIdLst>
     <p:sldId id="256" r:id="rId2"/>
     <p:sldId id="265" r:id="rId3"/>
     <p:sldId id="266" r:id="rId4"/>
-    <p:sldId id="258" r:id="rId5"/>
-    <p:sldId id="264" r:id="rId6"/>
+    <p:sldId id="267" r:id="rId5"/>
+    <p:sldId id="258" r:id="rId6"/>
+    <p:sldId id="264" r:id="rId7"/>
   </p:sldIdLst>
   <p:sldSz cx="9144000" cy="6858000" type="screen4x3"/>
   <p:notesSz cx="6858000" cy="9144000"/>
@@ -862,7 +863,7 @@
               </a14:hiddenFill>
             </a:ext>
             <a:ext uri="{FAA26D3D-D897-4be2-8F04-BA451C77F1D7}">
-              <ma14:placeholderFlag xmlns:ma14="http://schemas.microsoft.com/office/mac/drawingml/2011/main" xmlns="" val="1"/>
+              <ma14:placeholderFlag xmlns="" xmlns:ma14="http://schemas.microsoft.com/office/mac/drawingml/2011/main" val="1"/>
             </a:ext>
           </a:extLst>
         </p:spPr>
@@ -898,7 +899,7 @@
               </a14:hiddenLine>
             </a:ext>
             <a:ext uri="{FAA26D3D-D897-4be2-8F04-BA451C77F1D7}">
-              <ma14:placeholderFlag xmlns:ma14="http://schemas.microsoft.com/office/mac/drawingml/2011/main" xmlns="" val="1"/>
+              <ma14:placeholderFlag xmlns="" xmlns:ma14="http://schemas.microsoft.com/office/mac/drawingml/2011/main" val="1"/>
             </a:ext>
           </a:extLst>
         </p:spPr>
@@ -1314,7 +1315,7 @@
               </a14:hiddenFill>
             </a:ext>
             <a:ext uri="{FAA26D3D-D897-4be2-8F04-BA451C77F1D7}">
-              <ma14:placeholderFlag xmlns:ma14="http://schemas.microsoft.com/office/mac/drawingml/2011/main" xmlns="" val="1"/>
+              <ma14:placeholderFlag xmlns="" xmlns:ma14="http://schemas.microsoft.com/office/mac/drawingml/2011/main" val="1"/>
             </a:ext>
           </a:extLst>
         </p:spPr>
@@ -1350,7 +1351,7 @@
               </a14:hiddenLine>
             </a:ext>
             <a:ext uri="{FAA26D3D-D897-4be2-8F04-BA451C77F1D7}">
-              <ma14:placeholderFlag xmlns:ma14="http://schemas.microsoft.com/office/mac/drawingml/2011/main" xmlns="" val="1"/>
+              <ma14:placeholderFlag xmlns="" xmlns:ma14="http://schemas.microsoft.com/office/mac/drawingml/2011/main" val="1"/>
             </a:ext>
           </a:extLst>
         </p:spPr>
@@ -1540,7 +1541,7 @@
                   <a:spcPct val="0"/>
                 </a:spcAft>
               </a:pPr>
-              <a:t>4</a:t>
+              <a:t>5</a:t>
             </a:fld>
             <a:endParaRPr lang="en-US" sz="1200">
               <a:latin typeface="Calibri" charset="0"/>
@@ -1766,7 +1767,7 @@
               </a14:hiddenFill>
             </a:ext>
             <a:ext uri="{FAA26D3D-D897-4be2-8F04-BA451C77F1D7}">
-              <ma14:placeholderFlag xmlns:ma14="http://schemas.microsoft.com/office/mac/drawingml/2011/main" xmlns="" val="1"/>
+              <ma14:placeholderFlag xmlns="" xmlns:ma14="http://schemas.microsoft.com/office/mac/drawingml/2011/main" val="1"/>
             </a:ext>
           </a:extLst>
         </p:spPr>
@@ -1802,7 +1803,7 @@
               </a14:hiddenLine>
             </a:ext>
             <a:ext uri="{FAA26D3D-D897-4be2-8F04-BA451C77F1D7}">
-              <ma14:placeholderFlag xmlns:ma14="http://schemas.microsoft.com/office/mac/drawingml/2011/main" xmlns="" val="1"/>
+              <ma14:placeholderFlag xmlns="" xmlns:ma14="http://schemas.microsoft.com/office/mac/drawingml/2011/main" val="1"/>
             </a:ext>
           </a:extLst>
         </p:spPr>
@@ -1992,7 +1993,7 @@
                   <a:spcPct val="0"/>
                 </a:spcAft>
               </a:pPr>
-              <a:t>5</a:t>
+              <a:t>6</a:t>
             </a:fld>
             <a:endParaRPr lang="en-US" sz="1200">
               <a:latin typeface="Calibri" charset="0"/>
@@ -8125,8 +8126,8 @@
         </p:nvSpPr>
         <p:spPr>
           <a:xfrm>
-            <a:off x="368490" y="1186752"/>
-            <a:ext cx="8434316" cy="4859205"/>
+            <a:off x="134837" y="1186752"/>
+            <a:ext cx="7944637" cy="4886502"/>
           </a:xfrm>
         </p:spPr>
         <p:txBody>
@@ -8446,11 +8447,7 @@
             </a:r>
             <a:r>
               <a:rPr lang="en-US" dirty="0" smtClean="0"/>
-              <a:t> April </a:t>
-            </a:r>
-            <a:r>
-              <a:rPr lang="en-US" dirty="0" smtClean="0"/>
-              <a:t>2011 </a:t>
+              <a:t> April 2011 </a:t>
             </a:r>
             <a:endParaRPr lang="en-US" dirty="0"/>
           </a:p>
@@ -8565,14 +8562,7 @@
                 <a:ea typeface="+mj-ea"/>
                 <a:cs typeface="+mj-cs"/>
               </a:rPr>
-              <a:t>Very High Level Block </a:t>
-            </a:r>
-            <a:r>
-              <a:rPr lang="en-US" sz="3200" b="1" u="sng" dirty="0" smtClean="0">
-                <a:ea typeface="+mj-ea"/>
-                <a:cs typeface="+mj-cs"/>
-              </a:rPr>
-              <a:t>Diagram</a:t>
+              <a:t>Very High Level Block Diagram</a:t>
             </a:r>
             <a:endParaRPr lang="en-US" sz="3200" b="1" u="sng" dirty="0">
               <a:ea typeface="+mj-ea"/>
@@ -8810,11 +8800,7 @@
             </a:r>
             <a:r>
               <a:rPr lang="en-US" dirty="0" smtClean="0"/>
-              <a:t> April </a:t>
-            </a:r>
-            <a:r>
-              <a:rPr lang="en-US" dirty="0" smtClean="0"/>
-              <a:t>2011 </a:t>
+              <a:t> April 2011 </a:t>
             </a:r>
             <a:endParaRPr lang="en-US" dirty="0"/>
           </a:p>
@@ -8975,23 +8961,7 @@
                   <a:srgbClr val="000000"/>
                 </a:solidFill>
               </a:rPr>
-              <a:t>Components &amp; </a:t>
-            </a:r>
-            <a:r>
-              <a:rPr lang="en-US" sz="1800" dirty="0" smtClean="0">
-                <a:solidFill>
-                  <a:srgbClr val="000000"/>
-                </a:solidFill>
-              </a:rPr>
-              <a:t>In</a:t>
-            </a:r>
-            <a:r>
-              <a:rPr lang="en-US" sz="1800" dirty="0" smtClean="0">
-                <a:solidFill>
-                  <a:srgbClr val="000000"/>
-                </a:solidFill>
-              </a:rPr>
-              <a:t>terfaces</a:t>
+              <a:t>Components &amp; Interfaces</a:t>
             </a:r>
             <a:endParaRPr lang="en-US" sz="1800" dirty="0">
               <a:solidFill>
@@ -9028,7 +8998,6 @@
               <a:rPr lang="en-US" sz="1400" dirty="0"/>
               <a:t>Control &amp; Data Lines</a:t>
             </a:r>
-            <a:endParaRPr lang="en-US" sz="1400" dirty="0"/>
           </a:p>
         </p:txBody>
       </p:sp>
@@ -9300,23 +9269,7 @@
                   <a:srgbClr val="000000"/>
                 </a:solidFill>
               </a:rPr>
-              <a:t>Components &amp; </a:t>
-            </a:r>
-            <a:r>
-              <a:rPr lang="en-US" sz="1800" dirty="0" smtClean="0">
-                <a:solidFill>
-                  <a:srgbClr val="000000"/>
-                </a:solidFill>
-              </a:rPr>
-              <a:t>In</a:t>
-            </a:r>
-            <a:r>
-              <a:rPr lang="en-US" sz="1800" dirty="0" smtClean="0">
-                <a:solidFill>
-                  <a:srgbClr val="000000"/>
-                </a:solidFill>
-              </a:rPr>
-              <a:t>terfaces</a:t>
+              <a:t>Components &amp; Interfaces</a:t>
             </a:r>
             <a:endParaRPr lang="en-US" sz="1800" dirty="0">
               <a:solidFill>
@@ -9351,11 +9304,7 @@
             <a:pPr algn="ctr"/>
             <a:r>
               <a:rPr lang="en-US" sz="1400" dirty="0" smtClean="0"/>
-              <a:t>Control &amp; Data </a:t>
-            </a:r>
-            <a:r>
-              <a:rPr lang="en-US" sz="1400" dirty="0" smtClean="0"/>
-              <a:t>Lines</a:t>
+              <a:t>Control &amp; Data Lines</a:t>
             </a:r>
             <a:endParaRPr lang="en-US" sz="1400" dirty="0"/>
           </a:p>
@@ -9768,15 +9717,7 @@
                   <a:srgbClr val="000000"/>
                 </a:solidFill>
               </a:rPr>
-              <a:t>Module 2</a:t>
-            </a:r>
-            <a:r>
-              <a:rPr lang="en-US" b="1" dirty="0" smtClean="0">
-                <a:solidFill>
-                  <a:srgbClr val="000000"/>
-                </a:solidFill>
-              </a:rPr>
-              <a:t> </a:t>
+              <a:t>Module 2 </a:t>
             </a:r>
             <a:endParaRPr lang="en-US" b="1" dirty="0">
               <a:solidFill>
@@ -9842,15 +9783,7 @@
                   <a:srgbClr val="000000"/>
                 </a:solidFill>
               </a:rPr>
-              <a:t>Module 1</a:t>
-            </a:r>
-            <a:r>
-              <a:rPr lang="en-US" b="1" dirty="0" smtClean="0">
-                <a:solidFill>
-                  <a:srgbClr val="000000"/>
-                </a:solidFill>
-              </a:rPr>
-              <a:t> </a:t>
+              <a:t>Module 1 </a:t>
             </a:r>
             <a:endParaRPr lang="en-US" b="1" dirty="0">
               <a:solidFill>
@@ -9909,6 +9842,374 @@
         </p:nvSpPr>
         <p:spPr>
           <a:xfrm>
+            <a:off x="1" y="0"/>
+            <a:ext cx="5117910" cy="859809"/>
+          </a:xfrm>
+        </p:spPr>
+        <p:txBody>
+          <a:bodyPr/>
+          <a:lstStyle/>
+          <a:p>
+            <a:pPr algn="l"/>
+            <a:r>
+              <a:rPr lang="en-US" u="sng" dirty="0">
+                <a:latin typeface="Aparajita" pitchFamily="34" charset="0"/>
+                <a:cs typeface="Aparajita" pitchFamily="34" charset="0"/>
+              </a:rPr>
+              <a:t>Project </a:t>
+            </a:r>
+            <a:r>
+              <a:rPr lang="en-US" u="sng" dirty="0" smtClean="0">
+                <a:latin typeface="Aparajita" pitchFamily="34" charset="0"/>
+                <a:cs typeface="Aparajita" pitchFamily="34" charset="0"/>
+              </a:rPr>
+              <a:t>Hardware</a:t>
+            </a:r>
+            <a:endParaRPr lang="en-US" dirty="0"/>
+          </a:p>
+        </p:txBody>
+      </p:sp>
+      <p:sp>
+        <p:nvSpPr>
+          <p:cNvPr id="4" name="Slide Number Placeholder 3"/>
+          <p:cNvSpPr>
+            <a:spLocks noGrp="1"/>
+          </p:cNvSpPr>
+          <p:nvPr>
+            <p:ph type="sldNum" sz="quarter" idx="12"/>
+          </p:nvPr>
+        </p:nvSpPr>
+        <p:spPr/>
+        <p:txBody>
+          <a:bodyPr/>
+          <a:lstStyle/>
+          <a:p>
+            <a:pPr>
+              <a:defRPr/>
+            </a:pPr>
+            <a:fld id="{ED3B3E25-E873-054A-8F0A-A9F632D3C751}" type="slidenum">
+              <a:rPr lang="en-US" smtClean="0"/>
+              <a:pPr>
+                <a:defRPr/>
+              </a:pPr>
+              <a:t>4</a:t>
+            </a:fld>
+            <a:endParaRPr lang="en-US"/>
+          </a:p>
+        </p:txBody>
+      </p:sp>
+      <p:sp>
+        <p:nvSpPr>
+          <p:cNvPr id="5" name="Footer Placeholder 4"/>
+          <p:cNvSpPr>
+            <a:spLocks noGrp="1"/>
+          </p:cNvSpPr>
+          <p:nvPr>
+            <p:ph type="ftr" sz="quarter" idx="11"/>
+          </p:nvPr>
+        </p:nvSpPr>
+        <p:spPr>
+          <a:xfrm>
+            <a:off x="5730875" y="6484938"/>
+            <a:ext cx="3413125" cy="365125"/>
+          </a:xfrm>
+        </p:spPr>
+        <p:txBody>
+          <a:bodyPr/>
+          <a:lstStyle/>
+          <a:p>
+            <a:pPr algn="r">
+              <a:defRPr/>
+            </a:pPr>
+            <a:r>
+              <a:rPr lang="en-US" dirty="0" smtClean="0"/>
+              <a:t>Embedded </a:t>
+            </a:r>
+            <a:r>
+              <a:rPr lang="en-US" dirty="0" err="1" smtClean="0"/>
+              <a:t>Garageband</a:t>
+            </a:r>
+            <a:endParaRPr lang="en-US" dirty="0" smtClean="0"/>
+          </a:p>
+          <a:p>
+            <a:pPr algn="r">
+              <a:defRPr/>
+            </a:pPr>
+            <a:r>
+              <a:rPr lang="en-US" dirty="0" smtClean="0"/>
+              <a:t>Maulik Kapuria, </a:t>
+            </a:r>
+            <a:r>
+              <a:rPr lang="en-US" dirty="0" err="1" smtClean="0"/>
+              <a:t>Niket</a:t>
+            </a:r>
+            <a:r>
+              <a:rPr lang="en-US" dirty="0" smtClean="0"/>
+              <a:t> Shah, Vishal </a:t>
+            </a:r>
+            <a:r>
+              <a:rPr lang="en-US" dirty="0" err="1" smtClean="0"/>
+              <a:t>Verma</a:t>
+            </a:r>
+            <a:endParaRPr lang="en-US" dirty="0"/>
+          </a:p>
+        </p:txBody>
+      </p:sp>
+      <p:sp>
+        <p:nvSpPr>
+          <p:cNvPr id="6" name="Footer Placeholder 4"/>
+          <p:cNvSpPr txBox="1">
+            <a:spLocks/>
+          </p:cNvSpPr>
+          <p:nvPr/>
+        </p:nvSpPr>
+        <p:spPr>
+          <a:xfrm>
+            <a:off x="0" y="6492875"/>
+            <a:ext cx="1354138" cy="365125"/>
+          </a:xfrm>
+          <a:prstGeom prst="rect">
+            <a:avLst/>
+          </a:prstGeom>
+        </p:spPr>
+        <p:txBody>
+          <a:bodyPr anchor="ctr"/>
+          <a:lstStyle>
+            <a:defPPr>
+              <a:defRPr lang="en-US"/>
+            </a:defPPr>
+            <a:lvl1pPr marL="0" algn="l" defTabSz="914400" rtl="0" eaLnBrk="1" latinLnBrk="0" hangingPunct="1">
+              <a:defRPr sz="1200" kern="1200">
+                <a:solidFill>
+                  <a:schemeClr val="tx1">
+                    <a:tint val="75000"/>
+                  </a:schemeClr>
+                </a:solidFill>
+                <a:effectLst>
+                  <a:outerShdw blurRad="50800" dist="38100" dir="5400000" sx="101000" sy="101000" algn="t" rotWithShape="0">
+                    <a:prstClr val="black">
+                      <a:alpha val="40000"/>
+                    </a:prstClr>
+                  </a:outerShdw>
+                </a:effectLst>
+                <a:latin typeface="+mn-lt"/>
+                <a:ea typeface="+mn-ea"/>
+                <a:cs typeface="+mn-cs"/>
+              </a:defRPr>
+            </a:lvl1pPr>
+            <a:lvl2pPr marL="457200" algn="l" defTabSz="914400" rtl="0" eaLnBrk="1" latinLnBrk="0" hangingPunct="1">
+              <a:defRPr sz="1800" kern="1200">
+                <a:solidFill>
+                  <a:schemeClr val="tx1"/>
+                </a:solidFill>
+                <a:latin typeface="+mn-lt"/>
+                <a:ea typeface="+mn-ea"/>
+                <a:cs typeface="+mn-cs"/>
+              </a:defRPr>
+            </a:lvl2pPr>
+            <a:lvl3pPr marL="914400" algn="l" defTabSz="914400" rtl="0" eaLnBrk="1" latinLnBrk="0" hangingPunct="1">
+              <a:defRPr sz="1800" kern="1200">
+                <a:solidFill>
+                  <a:schemeClr val="tx1"/>
+                </a:solidFill>
+                <a:latin typeface="+mn-lt"/>
+                <a:ea typeface="+mn-ea"/>
+                <a:cs typeface="+mn-cs"/>
+              </a:defRPr>
+            </a:lvl3pPr>
+            <a:lvl4pPr marL="1371600" algn="l" defTabSz="914400" rtl="0" eaLnBrk="1" latinLnBrk="0" hangingPunct="1">
+              <a:defRPr sz="1800" kern="1200">
+                <a:solidFill>
+                  <a:schemeClr val="tx1"/>
+                </a:solidFill>
+                <a:latin typeface="+mn-lt"/>
+                <a:ea typeface="+mn-ea"/>
+                <a:cs typeface="+mn-cs"/>
+              </a:defRPr>
+            </a:lvl4pPr>
+            <a:lvl5pPr marL="1828800" algn="l" defTabSz="914400" rtl="0" eaLnBrk="1" latinLnBrk="0" hangingPunct="1">
+              <a:defRPr sz="1800" kern="1200">
+                <a:solidFill>
+                  <a:schemeClr val="tx1"/>
+                </a:solidFill>
+                <a:latin typeface="+mn-lt"/>
+                <a:ea typeface="+mn-ea"/>
+                <a:cs typeface="+mn-cs"/>
+              </a:defRPr>
+            </a:lvl5pPr>
+            <a:lvl6pPr marL="2286000" algn="l" defTabSz="914400" rtl="0" eaLnBrk="1" latinLnBrk="0" hangingPunct="1">
+              <a:defRPr sz="1800" kern="1200">
+                <a:solidFill>
+                  <a:schemeClr val="tx1"/>
+                </a:solidFill>
+                <a:latin typeface="+mn-lt"/>
+                <a:ea typeface="+mn-ea"/>
+                <a:cs typeface="+mn-cs"/>
+              </a:defRPr>
+            </a:lvl6pPr>
+            <a:lvl7pPr marL="2743200" algn="l" defTabSz="914400" rtl="0" eaLnBrk="1" latinLnBrk="0" hangingPunct="1">
+              <a:defRPr sz="1800" kern="1200">
+                <a:solidFill>
+                  <a:schemeClr val="tx1"/>
+                </a:solidFill>
+                <a:latin typeface="+mn-lt"/>
+                <a:ea typeface="+mn-ea"/>
+                <a:cs typeface="+mn-cs"/>
+              </a:defRPr>
+            </a:lvl7pPr>
+            <a:lvl8pPr marL="3200400" algn="l" defTabSz="914400" rtl="0" eaLnBrk="1" latinLnBrk="0" hangingPunct="1">
+              <a:defRPr sz="1800" kern="1200">
+                <a:solidFill>
+                  <a:schemeClr val="tx1"/>
+                </a:solidFill>
+                <a:latin typeface="+mn-lt"/>
+                <a:ea typeface="+mn-ea"/>
+                <a:cs typeface="+mn-cs"/>
+              </a:defRPr>
+            </a:lvl8pPr>
+            <a:lvl9pPr marL="3657600" algn="l" defTabSz="914400" rtl="0" eaLnBrk="1" latinLnBrk="0" hangingPunct="1">
+              <a:defRPr sz="1800" kern="1200">
+                <a:solidFill>
+                  <a:schemeClr val="tx1"/>
+                </a:solidFill>
+                <a:latin typeface="+mn-lt"/>
+                <a:ea typeface="+mn-ea"/>
+                <a:cs typeface="+mn-cs"/>
+              </a:defRPr>
+            </a:lvl9pPr>
+          </a:lstStyle>
+          <a:p>
+            <a:pPr fontAlgn="auto">
+              <a:spcBef>
+                <a:spcPts val="0"/>
+              </a:spcBef>
+              <a:spcAft>
+                <a:spcPts val="0"/>
+              </a:spcAft>
+              <a:defRPr/>
+            </a:pPr>
+            <a:r>
+              <a:rPr lang="en-US" dirty="0" smtClean="0"/>
+              <a:t>27</a:t>
+            </a:r>
+            <a:r>
+              <a:rPr lang="en-US" baseline="30000" dirty="0" smtClean="0"/>
+              <a:t>th</a:t>
+            </a:r>
+            <a:r>
+              <a:rPr lang="en-US" dirty="0" smtClean="0"/>
+              <a:t> April 2011 </a:t>
+            </a:r>
+            <a:endParaRPr lang="en-US" dirty="0"/>
+          </a:p>
+        </p:txBody>
+      </p:sp>
+      <p:pic>
+        <p:nvPicPr>
+          <p:cNvPr id="8" name="Picture 2"/>
+          <p:cNvPicPr>
+            <a:picLocks noChangeAspect="1" noChangeArrowheads="1"/>
+          </p:cNvPicPr>
+          <p:nvPr/>
+        </p:nvPicPr>
+        <p:blipFill>
+          <a:blip r:embed="rId2" cstate="email">
+            <a:extLst>
+              <a:ext uri="{28A0092B-C50C-407E-A947-70E740481C1C}">
+                <a14:useLocalDpi xmlns:a14="http://schemas.microsoft.com/office/drawing/2010/main" val="0"/>
+              </a:ext>
+            </a:extLst>
+          </a:blip>
+          <a:srcRect/>
+          <a:stretch>
+            <a:fillRect/>
+          </a:stretch>
+        </p:blipFill>
+        <p:spPr bwMode="auto">
+          <a:xfrm>
+            <a:off x="797967" y="817769"/>
+            <a:ext cx="7417985" cy="5538581"/>
+          </a:xfrm>
+          <a:prstGeom prst="rect">
+            <a:avLst/>
+          </a:prstGeom>
+          <a:noFill/>
+          <a:ln>
+            <a:noFill/>
+          </a:ln>
+          <a:effectLst/>
+          <a:extLst>
+            <a:ext uri="{909E8E84-426E-40DD-AFC4-6F175D3DCCD1}">
+              <a14:hiddenFill xmlns:a14="http://schemas.microsoft.com/office/drawing/2010/main">
+                <a:solidFill>
+                  <a:schemeClr val="accent1"/>
+                </a:solidFill>
+              </a14:hiddenFill>
+            </a:ext>
+            <a:ext uri="{91240B29-F687-4F45-9708-019B960494DF}">
+              <a14:hiddenLine xmlns:a14="http://schemas.microsoft.com/office/drawing/2010/main" w="9525">
+                <a:solidFill>
+                  <a:schemeClr val="tx1"/>
+                </a:solidFill>
+                <a:miter lim="800000"/>
+                <a:headEnd/>
+                <a:tailEnd/>
+              </a14:hiddenLine>
+            </a:ext>
+            <a:ext uri="{AF507438-7753-43E0-B8FC-AC1667EBCBE1}">
+              <a14:hiddenEffects xmlns:a14="http://schemas.microsoft.com/office/drawing/2010/main">
+                <a:effectLst>
+                  <a:outerShdw dist="35921" dir="2700000" algn="ctr" rotWithShape="0">
+                    <a:schemeClr val="bg2"/>
+                  </a:outerShdw>
+                </a:effectLst>
+              </a14:hiddenEffects>
+            </a:ext>
+          </a:extLst>
+        </p:spPr>
+      </p:pic>
+    </p:spTree>
+    <p:extLst>
+      <p:ext uri="{BB962C8B-B14F-4D97-AF65-F5344CB8AC3E}">
+        <p14:creationId xmlns:p14="http://schemas.microsoft.com/office/powerpoint/2010/main" val="2451702606"/>
+      </p:ext>
+    </p:extLst>
+  </p:cSld>
+  <p:clrMapOvr>
+    <a:masterClrMapping/>
+  </p:clrMapOvr>
+</p:sld>
+</file>
+
+<file path=ppt/slides/slide5.xml><?xml version="1.0" encoding="utf-8"?>
+<p:sld xmlns:a="http://schemas.openxmlformats.org/drawingml/2006/main" xmlns:r="http://schemas.openxmlformats.org/officeDocument/2006/relationships" xmlns:p="http://schemas.openxmlformats.org/presentationml/2006/main">
+  <p:cSld>
+    <p:spTree>
+      <p:nvGrpSpPr>
+        <p:cNvPr id="1" name=""/>
+        <p:cNvGrpSpPr/>
+        <p:nvPr/>
+      </p:nvGrpSpPr>
+      <p:grpSpPr>
+        <a:xfrm>
+          <a:off x="0" y="0"/>
+          <a:ext cx="0" cy="0"/>
+          <a:chOff x="0" y="0"/>
+          <a:chExt cx="0" cy="0"/>
+        </a:xfrm>
+      </p:grpSpPr>
+      <p:sp>
+        <p:nvSpPr>
+          <p:cNvPr id="2" name="Title 1"/>
+          <p:cNvSpPr>
+            <a:spLocks noGrp="1"/>
+          </p:cNvSpPr>
+          <p:nvPr>
+            <p:ph type="title"/>
+          </p:nvPr>
+        </p:nvSpPr>
+        <p:spPr>
+          <a:xfrm>
             <a:off x="0" y="0"/>
             <a:ext cx="3279775" cy="952499"/>
           </a:xfrm>
@@ -9963,7 +10264,7 @@
               <a:pPr>
                 <a:defRPr/>
               </a:pPr>
-              <a:t>4</a:t>
+              <a:t>5</a:t>
             </a:fld>
             <a:endParaRPr lang="en-US"/>
           </a:p>
@@ -9997,11 +10298,11 @@
             </a:r>
             <a:r>
               <a:rPr lang="en-US" sz="1400" dirty="0" smtClean="0"/>
-              <a:t>Oscillator &amp; Reset Circuit are </a:t>
+              <a:t>Oscillator, Logic Converters &amp; </a:t>
             </a:r>
             <a:r>
               <a:rPr lang="en-US" sz="1400" dirty="0" smtClean="0"/>
-              <a:t>not shown here</a:t>
+              <a:t>Reset Circuit are not shown here</a:t>
             </a:r>
             <a:endParaRPr lang="en-US" sz="1400" dirty="0"/>
           </a:p>
@@ -10801,15 +11102,7 @@
                   <a:srgbClr val="000000"/>
                 </a:solidFill>
               </a:rPr>
-              <a:t>Module 1</a:t>
-            </a:r>
-            <a:r>
-              <a:rPr lang="en-US" b="1" dirty="0" smtClean="0">
-                <a:solidFill>
-                  <a:srgbClr val="000000"/>
-                </a:solidFill>
-              </a:rPr>
-              <a:t> </a:t>
+              <a:t>Module 1 </a:t>
             </a:r>
             <a:endParaRPr lang="en-US" b="1" dirty="0">
               <a:solidFill>
@@ -11251,11 +11544,6 @@
               </a:rPr>
               <a:t> 2</a:t>
             </a:r>
-            <a:endParaRPr lang="en-US" sz="1400" dirty="0">
-              <a:solidFill>
-                <a:srgbClr val="000000"/>
-              </a:solidFill>
-            </a:endParaRPr>
           </a:p>
         </p:txBody>
       </p:sp>
@@ -11540,15 +11828,15 @@
         </p:nvCxnSpPr>
         <p:spPr>
           <a:xfrm rot="16200000" flipV="1">
-            <a:off x="3202652" y="4235378"/>
-            <a:ext cx="945808" cy="336162"/>
+            <a:off x="3174227" y="4174368"/>
+            <a:ext cx="945808" cy="458182"/>
           </a:xfrm>
           <a:prstGeom prst="bentConnector3">
             <a:avLst/>
           </a:prstGeom>
           <a:ln w="28575">
             <a:headEnd type="arrow" w="med" len="med"/>
-            <a:tailEnd type="none" w="med" len="med"/>
+            <a:tailEnd type="arrow" w="med" len="med"/>
           </a:ln>
         </p:spPr>
         <p:style>
@@ -11862,8 +12150,8 @@
         </p:nvSpPr>
         <p:spPr>
           <a:xfrm>
-            <a:off x="3279774" y="4876363"/>
-            <a:ext cx="1127726" cy="637039"/>
+            <a:off x="3190339" y="4876363"/>
+            <a:ext cx="1371766" cy="796949"/>
           </a:xfrm>
           <a:prstGeom prst="roundRect">
             <a:avLst/>
@@ -11892,20 +12180,12 @@
               <a:defRPr/>
             </a:pPr>
             <a:r>
-              <a:rPr lang="en-US" sz="1400" dirty="0" err="1" smtClean="0">
+              <a:rPr lang="en-US" sz="1400" dirty="0" smtClean="0">
                 <a:solidFill>
                   <a:schemeClr val="bg1"/>
                 </a:solidFill>
               </a:rPr>
-              <a:t>HeartBeat</a:t>
-            </a:r>
-            <a:r>
-              <a:rPr lang="en-US" sz="1400" dirty="0" smtClean="0">
-                <a:solidFill>
-                  <a:schemeClr val="bg1"/>
-                </a:solidFill>
-              </a:rPr>
-              <a:t> LED</a:t>
+              <a:t>Serial Interface to Computer</a:t>
             </a:r>
             <a:endParaRPr lang="en-US" sz="1400" dirty="0">
               <a:solidFill>
@@ -12205,15 +12485,7 @@
                   <a:srgbClr val="000000"/>
                 </a:solidFill>
               </a:rPr>
-              <a:t>Module 2</a:t>
-            </a:r>
-            <a:r>
-              <a:rPr lang="en-US" b="1" dirty="0" smtClean="0">
-                <a:solidFill>
-                  <a:srgbClr val="000000"/>
-                </a:solidFill>
-              </a:rPr>
-              <a:t> </a:t>
+              <a:t>Module 2 </a:t>
             </a:r>
             <a:endParaRPr lang="en-US" b="1" dirty="0">
               <a:solidFill>
@@ -12372,7 +12644,7 @@
             <a:pPr algn="ctr"/>
             <a:r>
               <a:rPr lang="en-US" sz="1400" dirty="0" smtClean="0"/>
-              <a:t>GPIO</a:t>
+              <a:t>Serial</a:t>
             </a:r>
             <a:endParaRPr lang="en-US" sz="1400" dirty="0"/>
           </a:p>
@@ -12649,11 +12921,7 @@
             </a:r>
             <a:r>
               <a:rPr lang="en-US" dirty="0" smtClean="0"/>
-              <a:t> April </a:t>
-            </a:r>
-            <a:r>
-              <a:rPr lang="en-US" dirty="0" smtClean="0"/>
-              <a:t>2011 </a:t>
+              <a:t> April 2011 </a:t>
             </a:r>
             <a:endParaRPr lang="en-US" dirty="0"/>
           </a:p>
@@ -12674,7 +12942,7 @@
 </p:sld>
 </file>
 
-<file path=ppt/slides/slide5.xml><?xml version="1.0" encoding="utf-8"?>
+<file path=ppt/slides/slide6.xml><?xml version="1.0" encoding="utf-8"?>
 <p:sld xmlns:a="http://schemas.openxmlformats.org/drawingml/2006/main" xmlns:r="http://schemas.openxmlformats.org/officeDocument/2006/relationships" xmlns:p="http://schemas.openxmlformats.org/presentationml/2006/main">
   <p:cSld>
     <p:spTree>
@@ -12714,7 +12982,7 @@
               <a:pPr>
                 <a:defRPr/>
               </a:pPr>
-              <a:t>5</a:t>
+              <a:t>6</a:t>
             </a:fld>
             <a:endParaRPr lang="en-US"/>
           </a:p>
@@ -12987,11 +13255,7 @@
             </a:r>
             <a:r>
               <a:rPr lang="en-US" dirty="0" smtClean="0"/>
-              <a:t> April </a:t>
-            </a:r>
-            <a:r>
-              <a:rPr lang="en-US" dirty="0" smtClean="0"/>
-              <a:t>2011 </a:t>
+              <a:t> April 2011 </a:t>
             </a:r>
             <a:endParaRPr lang="en-US" dirty="0"/>
           </a:p>
